--- a/ppt 16-9/0524.专一爱主.pptx
+++ b/ppt 16-9/0524.专一爱主.pptx
@@ -5,7 +5,7 @@
     <p:sldMasterId id="2147483648" r:id="rId1"/>
   </p:sldMasterIdLst>
   <p:sldIdLst>
-    <p:sldId id="2259" r:id="rId2"/>
+    <p:sldId id="2261" r:id="rId2"/>
   </p:sldIdLst>
   <p:sldSz cx="12192000" cy="6858000"/>
   <p:notesSz cx="6858000" cy="9144000"/>
@@ -129,7 +129,7 @@
           <p:cNvPr id="2" name="标题 1">
             <a:extLst>
               <a:ext uri="{FF2B5EF4-FFF2-40B4-BE49-F238E27FC236}">
-                <a16:creationId xmlns:a16="http://schemas.microsoft.com/office/drawing/2014/main" id="{BD90541E-6166-1E4C-FB8E-25F2E0FDF1AB}"/>
+                <a16:creationId xmlns:a16="http://schemas.microsoft.com/office/drawing/2014/main" id="{3C476AAA-4D7A-9645-79C8-8800A82DC285}"/>
               </a:ext>
             </a:extLst>
           </p:cNvPr>
@@ -166,7 +166,7 @@
           <p:cNvPr id="3" name="副标题 2">
             <a:extLst>
               <a:ext uri="{FF2B5EF4-FFF2-40B4-BE49-F238E27FC236}">
-                <a16:creationId xmlns:a16="http://schemas.microsoft.com/office/drawing/2014/main" id="{5ED2B169-A814-2DCE-A900-55F43B6CCC2C}"/>
+                <a16:creationId xmlns:a16="http://schemas.microsoft.com/office/drawing/2014/main" id="{012D029B-394E-9526-7EEE-D00DB2097004}"/>
               </a:ext>
             </a:extLst>
           </p:cNvPr>
@@ -236,7 +236,7 @@
           <p:cNvPr id="4" name="日期占位符 3">
             <a:extLst>
               <a:ext uri="{FF2B5EF4-FFF2-40B4-BE49-F238E27FC236}">
-                <a16:creationId xmlns:a16="http://schemas.microsoft.com/office/drawing/2014/main" id="{F10D3F2A-ADE5-E475-A7D1-15EBE100EB4D}"/>
+                <a16:creationId xmlns:a16="http://schemas.microsoft.com/office/drawing/2014/main" id="{F3A95552-DDD1-D332-9376-60D288A75C3B}"/>
               </a:ext>
             </a:extLst>
           </p:cNvPr>
@@ -252,7 +252,7 @@
           <a:bodyPr/>
           <a:lstStyle/>
           <a:p>
-            <a:fld id="{932B3729-63E0-4A30-8B52-89E1D333DBE0}" type="datetimeFigureOut">
+            <a:fld id="{85ABCB3A-7039-444C-A3D7-2B91ED177454}" type="datetimeFigureOut">
               <a:rPr lang="zh-CN" altLang="en-US" smtClean="0"/>
               <a:t>2024/3/10</a:t>
             </a:fld>
@@ -265,7 +265,7 @@
           <p:cNvPr id="5" name="页脚占位符 4">
             <a:extLst>
               <a:ext uri="{FF2B5EF4-FFF2-40B4-BE49-F238E27FC236}">
-                <a16:creationId xmlns:a16="http://schemas.microsoft.com/office/drawing/2014/main" id="{5CDC46D3-569D-3516-D398-269D64829A68}"/>
+                <a16:creationId xmlns:a16="http://schemas.microsoft.com/office/drawing/2014/main" id="{D5712614-8C2C-E00F-AFA7-6E329C88BECA}"/>
               </a:ext>
             </a:extLst>
           </p:cNvPr>
@@ -290,7 +290,7 @@
           <p:cNvPr id="6" name="灯片编号占位符 5">
             <a:extLst>
               <a:ext uri="{FF2B5EF4-FFF2-40B4-BE49-F238E27FC236}">
-                <a16:creationId xmlns:a16="http://schemas.microsoft.com/office/drawing/2014/main" id="{DAEDC755-41F7-85B4-B74A-D52BAD9921F6}"/>
+                <a16:creationId xmlns:a16="http://schemas.microsoft.com/office/drawing/2014/main" id="{248F992F-B1A2-F676-2041-BDE3BFFD8418}"/>
               </a:ext>
             </a:extLst>
           </p:cNvPr>
@@ -306,7 +306,7 @@
           <a:bodyPr/>
           <a:lstStyle/>
           <a:p>
-            <a:fld id="{5A0FA10B-1743-4319-BE61-97C58D95C026}" type="slidenum">
+            <a:fld id="{990DE5A4-4C2F-410A-9BF1-14B48072EE41}" type="slidenum">
               <a:rPr lang="zh-CN" altLang="en-US" smtClean="0"/>
               <a:t>‹#›</a:t>
             </a:fld>
@@ -317,7 +317,7 @@
     </p:spTree>
     <p:extLst>
       <p:ext uri="{BB962C8B-B14F-4D97-AF65-F5344CB8AC3E}">
-        <p14:creationId xmlns:p14="http://schemas.microsoft.com/office/powerpoint/2010/main" val="1127395972"/>
+        <p14:creationId xmlns:p14="http://schemas.microsoft.com/office/powerpoint/2010/main" val="3866166890"/>
       </p:ext>
     </p:extLst>
   </p:cSld>
@@ -349,7 +349,7 @@
           <p:cNvPr id="2" name="标题 1">
             <a:extLst>
               <a:ext uri="{FF2B5EF4-FFF2-40B4-BE49-F238E27FC236}">
-                <a16:creationId xmlns:a16="http://schemas.microsoft.com/office/drawing/2014/main" id="{9D831B2A-2BE8-AE6F-BB7F-46FB6B80807D}"/>
+                <a16:creationId xmlns:a16="http://schemas.microsoft.com/office/drawing/2014/main" id="{A750E2A2-78AD-BECF-E0F6-A2979FE27DE5}"/>
               </a:ext>
             </a:extLst>
           </p:cNvPr>
@@ -377,7 +377,7 @@
           <p:cNvPr id="3" name="竖排文字占位符 2">
             <a:extLst>
               <a:ext uri="{FF2B5EF4-FFF2-40B4-BE49-F238E27FC236}">
-                <a16:creationId xmlns:a16="http://schemas.microsoft.com/office/drawing/2014/main" id="{E6BB0D16-556D-6264-464D-A76EF5D86683}"/>
+                <a16:creationId xmlns:a16="http://schemas.microsoft.com/office/drawing/2014/main" id="{67E17BA2-742A-4D14-0C35-F5A22EAA1003}"/>
               </a:ext>
             </a:extLst>
           </p:cNvPr>
@@ -434,7 +434,7 @@
           <p:cNvPr id="4" name="日期占位符 3">
             <a:extLst>
               <a:ext uri="{FF2B5EF4-FFF2-40B4-BE49-F238E27FC236}">
-                <a16:creationId xmlns:a16="http://schemas.microsoft.com/office/drawing/2014/main" id="{4020C323-E357-045B-D37F-143D8DFE560D}"/>
+                <a16:creationId xmlns:a16="http://schemas.microsoft.com/office/drawing/2014/main" id="{20E7CD0D-EF29-165E-DCE3-EF238EBC3986}"/>
               </a:ext>
             </a:extLst>
           </p:cNvPr>
@@ -450,7 +450,7 @@
           <a:bodyPr/>
           <a:lstStyle/>
           <a:p>
-            <a:fld id="{932B3729-63E0-4A30-8B52-89E1D333DBE0}" type="datetimeFigureOut">
+            <a:fld id="{85ABCB3A-7039-444C-A3D7-2B91ED177454}" type="datetimeFigureOut">
               <a:rPr lang="zh-CN" altLang="en-US" smtClean="0"/>
               <a:t>2024/3/10</a:t>
             </a:fld>
@@ -463,7 +463,7 @@
           <p:cNvPr id="5" name="页脚占位符 4">
             <a:extLst>
               <a:ext uri="{FF2B5EF4-FFF2-40B4-BE49-F238E27FC236}">
-                <a16:creationId xmlns:a16="http://schemas.microsoft.com/office/drawing/2014/main" id="{F8E26476-D08D-7F16-6DEB-E8A5944BE4EA}"/>
+                <a16:creationId xmlns:a16="http://schemas.microsoft.com/office/drawing/2014/main" id="{345DC893-1F18-A5D6-AFFC-FD3905190458}"/>
               </a:ext>
             </a:extLst>
           </p:cNvPr>
@@ -488,7 +488,7 @@
           <p:cNvPr id="6" name="灯片编号占位符 5">
             <a:extLst>
               <a:ext uri="{FF2B5EF4-FFF2-40B4-BE49-F238E27FC236}">
-                <a16:creationId xmlns:a16="http://schemas.microsoft.com/office/drawing/2014/main" id="{C7AE149F-73AB-DB1B-96F4-59967BDB1D5A}"/>
+                <a16:creationId xmlns:a16="http://schemas.microsoft.com/office/drawing/2014/main" id="{B5B1B58C-D417-347F-2F5E-D6E5C20905A2}"/>
               </a:ext>
             </a:extLst>
           </p:cNvPr>
@@ -504,7 +504,7 @@
           <a:bodyPr/>
           <a:lstStyle/>
           <a:p>
-            <a:fld id="{5A0FA10B-1743-4319-BE61-97C58D95C026}" type="slidenum">
+            <a:fld id="{990DE5A4-4C2F-410A-9BF1-14B48072EE41}" type="slidenum">
               <a:rPr lang="zh-CN" altLang="en-US" smtClean="0"/>
               <a:t>‹#›</a:t>
             </a:fld>
@@ -515,7 +515,7 @@
     </p:spTree>
     <p:extLst>
       <p:ext uri="{BB962C8B-B14F-4D97-AF65-F5344CB8AC3E}">
-        <p14:creationId xmlns:p14="http://schemas.microsoft.com/office/powerpoint/2010/main" val="2262228017"/>
+        <p14:creationId xmlns:p14="http://schemas.microsoft.com/office/powerpoint/2010/main" val="2521219978"/>
       </p:ext>
     </p:extLst>
   </p:cSld>
@@ -547,7 +547,7 @@
           <p:cNvPr id="2" name="竖排标题 1">
             <a:extLst>
               <a:ext uri="{FF2B5EF4-FFF2-40B4-BE49-F238E27FC236}">
-                <a16:creationId xmlns:a16="http://schemas.microsoft.com/office/drawing/2014/main" id="{D9DC8D6E-107D-2B95-C607-AD1CF1BB37CC}"/>
+                <a16:creationId xmlns:a16="http://schemas.microsoft.com/office/drawing/2014/main" id="{6822BEE1-A679-CF16-B768-4C319993124F}"/>
               </a:ext>
             </a:extLst>
           </p:cNvPr>
@@ -580,7 +580,7 @@
           <p:cNvPr id="3" name="竖排文字占位符 2">
             <a:extLst>
               <a:ext uri="{FF2B5EF4-FFF2-40B4-BE49-F238E27FC236}">
-                <a16:creationId xmlns:a16="http://schemas.microsoft.com/office/drawing/2014/main" id="{7D54DD6C-595E-5111-A2B4-122B9B94694F}"/>
+                <a16:creationId xmlns:a16="http://schemas.microsoft.com/office/drawing/2014/main" id="{8381B675-07D4-1AD9-28F5-5826C33106F3}"/>
               </a:ext>
             </a:extLst>
           </p:cNvPr>
@@ -642,7 +642,7 @@
           <p:cNvPr id="4" name="日期占位符 3">
             <a:extLst>
               <a:ext uri="{FF2B5EF4-FFF2-40B4-BE49-F238E27FC236}">
-                <a16:creationId xmlns:a16="http://schemas.microsoft.com/office/drawing/2014/main" id="{E06D6B98-807E-9BFC-3639-44E3C5BECEEF}"/>
+                <a16:creationId xmlns:a16="http://schemas.microsoft.com/office/drawing/2014/main" id="{6728ACD2-AECA-3C08-F890-959403B62AAF}"/>
               </a:ext>
             </a:extLst>
           </p:cNvPr>
@@ -658,7 +658,7 @@
           <a:bodyPr/>
           <a:lstStyle/>
           <a:p>
-            <a:fld id="{932B3729-63E0-4A30-8B52-89E1D333DBE0}" type="datetimeFigureOut">
+            <a:fld id="{85ABCB3A-7039-444C-A3D7-2B91ED177454}" type="datetimeFigureOut">
               <a:rPr lang="zh-CN" altLang="en-US" smtClean="0"/>
               <a:t>2024/3/10</a:t>
             </a:fld>
@@ -671,7 +671,7 @@
           <p:cNvPr id="5" name="页脚占位符 4">
             <a:extLst>
               <a:ext uri="{FF2B5EF4-FFF2-40B4-BE49-F238E27FC236}">
-                <a16:creationId xmlns:a16="http://schemas.microsoft.com/office/drawing/2014/main" id="{90AC4481-68E2-3A3B-DD0C-070F2A6B3CA5}"/>
+                <a16:creationId xmlns:a16="http://schemas.microsoft.com/office/drawing/2014/main" id="{DC3144DB-626D-B135-3A8D-DEAA9F060E41}"/>
               </a:ext>
             </a:extLst>
           </p:cNvPr>
@@ -696,7 +696,7 @@
           <p:cNvPr id="6" name="灯片编号占位符 5">
             <a:extLst>
               <a:ext uri="{FF2B5EF4-FFF2-40B4-BE49-F238E27FC236}">
-                <a16:creationId xmlns:a16="http://schemas.microsoft.com/office/drawing/2014/main" id="{EE30826B-2173-BBDE-47AA-F7F3F3910FE8}"/>
+                <a16:creationId xmlns:a16="http://schemas.microsoft.com/office/drawing/2014/main" id="{296D7D29-079E-82C6-E76E-D9D9AC7D1839}"/>
               </a:ext>
             </a:extLst>
           </p:cNvPr>
@@ -712,7 +712,7 @@
           <a:bodyPr/>
           <a:lstStyle/>
           <a:p>
-            <a:fld id="{5A0FA10B-1743-4319-BE61-97C58D95C026}" type="slidenum">
+            <a:fld id="{990DE5A4-4C2F-410A-9BF1-14B48072EE41}" type="slidenum">
               <a:rPr lang="zh-CN" altLang="en-US" smtClean="0"/>
               <a:t>‹#›</a:t>
             </a:fld>
@@ -723,7 +723,7 @@
     </p:spTree>
     <p:extLst>
       <p:ext uri="{BB962C8B-B14F-4D97-AF65-F5344CB8AC3E}">
-        <p14:creationId xmlns:p14="http://schemas.microsoft.com/office/powerpoint/2010/main" val="1094967568"/>
+        <p14:creationId xmlns:p14="http://schemas.microsoft.com/office/powerpoint/2010/main" val="1333124228"/>
       </p:ext>
     </p:extLst>
   </p:cSld>
@@ -755,7 +755,7 @@
           <p:cNvPr id="2" name="标题 1">
             <a:extLst>
               <a:ext uri="{FF2B5EF4-FFF2-40B4-BE49-F238E27FC236}">
-                <a16:creationId xmlns:a16="http://schemas.microsoft.com/office/drawing/2014/main" id="{58A7A206-35E3-A4F0-CD59-2AEADD817E29}"/>
+                <a16:creationId xmlns:a16="http://schemas.microsoft.com/office/drawing/2014/main" id="{8F59E28A-2C1E-A4D5-8B3A-75505D4938B5}"/>
               </a:ext>
             </a:extLst>
           </p:cNvPr>
@@ -783,7 +783,7 @@
           <p:cNvPr id="3" name="内容占位符 2">
             <a:extLst>
               <a:ext uri="{FF2B5EF4-FFF2-40B4-BE49-F238E27FC236}">
-                <a16:creationId xmlns:a16="http://schemas.microsoft.com/office/drawing/2014/main" id="{0CF168FA-356A-43DF-9719-7291C6707984}"/>
+                <a16:creationId xmlns:a16="http://schemas.microsoft.com/office/drawing/2014/main" id="{A80DB945-D1EA-C066-6F53-061441D28033}"/>
               </a:ext>
             </a:extLst>
           </p:cNvPr>
@@ -840,7 +840,7 @@
           <p:cNvPr id="4" name="日期占位符 3">
             <a:extLst>
               <a:ext uri="{FF2B5EF4-FFF2-40B4-BE49-F238E27FC236}">
-                <a16:creationId xmlns:a16="http://schemas.microsoft.com/office/drawing/2014/main" id="{F32B6237-5682-1767-7087-FA6328E86DD9}"/>
+                <a16:creationId xmlns:a16="http://schemas.microsoft.com/office/drawing/2014/main" id="{B50A629B-2B62-FBF3-EAC1-15C5DF16E6BC}"/>
               </a:ext>
             </a:extLst>
           </p:cNvPr>
@@ -856,7 +856,7 @@
           <a:bodyPr/>
           <a:lstStyle/>
           <a:p>
-            <a:fld id="{932B3729-63E0-4A30-8B52-89E1D333DBE0}" type="datetimeFigureOut">
+            <a:fld id="{85ABCB3A-7039-444C-A3D7-2B91ED177454}" type="datetimeFigureOut">
               <a:rPr lang="zh-CN" altLang="en-US" smtClean="0"/>
               <a:t>2024/3/10</a:t>
             </a:fld>
@@ -869,7 +869,7 @@
           <p:cNvPr id="5" name="页脚占位符 4">
             <a:extLst>
               <a:ext uri="{FF2B5EF4-FFF2-40B4-BE49-F238E27FC236}">
-                <a16:creationId xmlns:a16="http://schemas.microsoft.com/office/drawing/2014/main" id="{2AB36C0C-7B24-2A36-A41E-6433F1DD6A4F}"/>
+                <a16:creationId xmlns:a16="http://schemas.microsoft.com/office/drawing/2014/main" id="{D80B661E-D119-44C8-20C3-B638CE40EE9C}"/>
               </a:ext>
             </a:extLst>
           </p:cNvPr>
@@ -894,7 +894,7 @@
           <p:cNvPr id="6" name="灯片编号占位符 5">
             <a:extLst>
               <a:ext uri="{FF2B5EF4-FFF2-40B4-BE49-F238E27FC236}">
-                <a16:creationId xmlns:a16="http://schemas.microsoft.com/office/drawing/2014/main" id="{06F44BDA-890C-9446-046E-430AFF09B100}"/>
+                <a16:creationId xmlns:a16="http://schemas.microsoft.com/office/drawing/2014/main" id="{819A07B1-087F-86E9-F73C-09CB9F67A2C4}"/>
               </a:ext>
             </a:extLst>
           </p:cNvPr>
@@ -910,7 +910,7 @@
           <a:bodyPr/>
           <a:lstStyle/>
           <a:p>
-            <a:fld id="{5A0FA10B-1743-4319-BE61-97C58D95C026}" type="slidenum">
+            <a:fld id="{990DE5A4-4C2F-410A-9BF1-14B48072EE41}" type="slidenum">
               <a:rPr lang="zh-CN" altLang="en-US" smtClean="0"/>
               <a:t>‹#›</a:t>
             </a:fld>
@@ -921,7 +921,7 @@
     </p:spTree>
     <p:extLst>
       <p:ext uri="{BB962C8B-B14F-4D97-AF65-F5344CB8AC3E}">
-        <p14:creationId xmlns:p14="http://schemas.microsoft.com/office/powerpoint/2010/main" val="1626290673"/>
+        <p14:creationId xmlns:p14="http://schemas.microsoft.com/office/powerpoint/2010/main" val="721494867"/>
       </p:ext>
     </p:extLst>
   </p:cSld>
@@ -953,7 +953,7 @@
           <p:cNvPr id="2" name="标题 1">
             <a:extLst>
               <a:ext uri="{FF2B5EF4-FFF2-40B4-BE49-F238E27FC236}">
-                <a16:creationId xmlns:a16="http://schemas.microsoft.com/office/drawing/2014/main" id="{822F8A8B-1A57-5739-8FCB-E7BAA6FC2F3E}"/>
+                <a16:creationId xmlns:a16="http://schemas.microsoft.com/office/drawing/2014/main" id="{2649425D-379B-C637-013C-65BC41BF7B48}"/>
               </a:ext>
             </a:extLst>
           </p:cNvPr>
@@ -990,7 +990,7 @@
           <p:cNvPr id="3" name="文本占位符 2">
             <a:extLst>
               <a:ext uri="{FF2B5EF4-FFF2-40B4-BE49-F238E27FC236}">
-                <a16:creationId xmlns:a16="http://schemas.microsoft.com/office/drawing/2014/main" id="{7C70E7A6-997F-62C9-6B0B-0666F8780044}"/>
+                <a16:creationId xmlns:a16="http://schemas.microsoft.com/office/drawing/2014/main" id="{65708625-A402-872C-67DD-787FB059202C}"/>
               </a:ext>
             </a:extLst>
           </p:cNvPr>
@@ -1115,7 +1115,7 @@
           <p:cNvPr id="4" name="日期占位符 3">
             <a:extLst>
               <a:ext uri="{FF2B5EF4-FFF2-40B4-BE49-F238E27FC236}">
-                <a16:creationId xmlns:a16="http://schemas.microsoft.com/office/drawing/2014/main" id="{76D0ECAB-AC76-F7A0-8AD7-34BEA16D0562}"/>
+                <a16:creationId xmlns:a16="http://schemas.microsoft.com/office/drawing/2014/main" id="{534E6A2D-EC1D-276E-8C96-BE38DE8DB857}"/>
               </a:ext>
             </a:extLst>
           </p:cNvPr>
@@ -1131,7 +1131,7 @@
           <a:bodyPr/>
           <a:lstStyle/>
           <a:p>
-            <a:fld id="{932B3729-63E0-4A30-8B52-89E1D333DBE0}" type="datetimeFigureOut">
+            <a:fld id="{85ABCB3A-7039-444C-A3D7-2B91ED177454}" type="datetimeFigureOut">
               <a:rPr lang="zh-CN" altLang="en-US" smtClean="0"/>
               <a:t>2024/3/10</a:t>
             </a:fld>
@@ -1144,7 +1144,7 @@
           <p:cNvPr id="5" name="页脚占位符 4">
             <a:extLst>
               <a:ext uri="{FF2B5EF4-FFF2-40B4-BE49-F238E27FC236}">
-                <a16:creationId xmlns:a16="http://schemas.microsoft.com/office/drawing/2014/main" id="{1FA88CE1-4BE0-2BD6-D90C-D1613D423F22}"/>
+                <a16:creationId xmlns:a16="http://schemas.microsoft.com/office/drawing/2014/main" id="{F0808EE7-98BE-E37E-8E40-F190E630ACC1}"/>
               </a:ext>
             </a:extLst>
           </p:cNvPr>
@@ -1169,7 +1169,7 @@
           <p:cNvPr id="6" name="灯片编号占位符 5">
             <a:extLst>
               <a:ext uri="{FF2B5EF4-FFF2-40B4-BE49-F238E27FC236}">
-                <a16:creationId xmlns:a16="http://schemas.microsoft.com/office/drawing/2014/main" id="{6A1C7D9D-291C-28D3-7027-92E46CE70ADE}"/>
+                <a16:creationId xmlns:a16="http://schemas.microsoft.com/office/drawing/2014/main" id="{F81F6FC4-78B7-F6FA-DA2C-15E701523615}"/>
               </a:ext>
             </a:extLst>
           </p:cNvPr>
@@ -1185,7 +1185,7 @@
           <a:bodyPr/>
           <a:lstStyle/>
           <a:p>
-            <a:fld id="{5A0FA10B-1743-4319-BE61-97C58D95C026}" type="slidenum">
+            <a:fld id="{990DE5A4-4C2F-410A-9BF1-14B48072EE41}" type="slidenum">
               <a:rPr lang="zh-CN" altLang="en-US" smtClean="0"/>
               <a:t>‹#›</a:t>
             </a:fld>
@@ -1196,7 +1196,7 @@
     </p:spTree>
     <p:extLst>
       <p:ext uri="{BB962C8B-B14F-4D97-AF65-F5344CB8AC3E}">
-        <p14:creationId xmlns:p14="http://schemas.microsoft.com/office/powerpoint/2010/main" val="4019643025"/>
+        <p14:creationId xmlns:p14="http://schemas.microsoft.com/office/powerpoint/2010/main" val="398947896"/>
       </p:ext>
     </p:extLst>
   </p:cSld>
@@ -1228,7 +1228,7 @@
           <p:cNvPr id="2" name="标题 1">
             <a:extLst>
               <a:ext uri="{FF2B5EF4-FFF2-40B4-BE49-F238E27FC236}">
-                <a16:creationId xmlns:a16="http://schemas.microsoft.com/office/drawing/2014/main" id="{18F701EC-345B-E8AD-BCD8-421125B48CFC}"/>
+                <a16:creationId xmlns:a16="http://schemas.microsoft.com/office/drawing/2014/main" id="{2E4C43FB-59A7-381D-9855-A7A6EBB7A543}"/>
               </a:ext>
             </a:extLst>
           </p:cNvPr>
@@ -1256,7 +1256,7 @@
           <p:cNvPr id="3" name="内容占位符 2">
             <a:extLst>
               <a:ext uri="{FF2B5EF4-FFF2-40B4-BE49-F238E27FC236}">
-                <a16:creationId xmlns:a16="http://schemas.microsoft.com/office/drawing/2014/main" id="{BEA64A68-774B-BF5F-7D89-172C23B355CA}"/>
+                <a16:creationId xmlns:a16="http://schemas.microsoft.com/office/drawing/2014/main" id="{4ADC6594-3F5B-A80C-FE14-E5F824915AEF}"/>
               </a:ext>
             </a:extLst>
           </p:cNvPr>
@@ -1318,7 +1318,7 @@
           <p:cNvPr id="4" name="内容占位符 3">
             <a:extLst>
               <a:ext uri="{FF2B5EF4-FFF2-40B4-BE49-F238E27FC236}">
-                <a16:creationId xmlns:a16="http://schemas.microsoft.com/office/drawing/2014/main" id="{0F639641-F003-6E99-6153-7250BEBD2691}"/>
+                <a16:creationId xmlns:a16="http://schemas.microsoft.com/office/drawing/2014/main" id="{A0A258F7-6548-5922-0086-BF2CFE1E73BF}"/>
               </a:ext>
             </a:extLst>
           </p:cNvPr>
@@ -1380,7 +1380,7 @@
           <p:cNvPr id="5" name="日期占位符 4">
             <a:extLst>
               <a:ext uri="{FF2B5EF4-FFF2-40B4-BE49-F238E27FC236}">
-                <a16:creationId xmlns:a16="http://schemas.microsoft.com/office/drawing/2014/main" id="{EDD698A3-52AF-F9F1-1F93-0B21C5195E8E}"/>
+                <a16:creationId xmlns:a16="http://schemas.microsoft.com/office/drawing/2014/main" id="{0C4D4EE5-6087-1741-BD11-FFAD3228E63D}"/>
               </a:ext>
             </a:extLst>
           </p:cNvPr>
@@ -1396,7 +1396,7 @@
           <a:bodyPr/>
           <a:lstStyle/>
           <a:p>
-            <a:fld id="{932B3729-63E0-4A30-8B52-89E1D333DBE0}" type="datetimeFigureOut">
+            <a:fld id="{85ABCB3A-7039-444C-A3D7-2B91ED177454}" type="datetimeFigureOut">
               <a:rPr lang="zh-CN" altLang="en-US" smtClean="0"/>
               <a:t>2024/3/10</a:t>
             </a:fld>
@@ -1409,7 +1409,7 @@
           <p:cNvPr id="6" name="页脚占位符 5">
             <a:extLst>
               <a:ext uri="{FF2B5EF4-FFF2-40B4-BE49-F238E27FC236}">
-                <a16:creationId xmlns:a16="http://schemas.microsoft.com/office/drawing/2014/main" id="{5C0A0F33-A565-3461-27D3-D9C812E7AA7C}"/>
+                <a16:creationId xmlns:a16="http://schemas.microsoft.com/office/drawing/2014/main" id="{40CCE9F4-FF41-B502-026D-478C5D4239A5}"/>
               </a:ext>
             </a:extLst>
           </p:cNvPr>
@@ -1434,7 +1434,7 @@
           <p:cNvPr id="7" name="灯片编号占位符 6">
             <a:extLst>
               <a:ext uri="{FF2B5EF4-FFF2-40B4-BE49-F238E27FC236}">
-                <a16:creationId xmlns:a16="http://schemas.microsoft.com/office/drawing/2014/main" id="{5C4821D2-A9AB-32C4-15FA-704C7E1A7B54}"/>
+                <a16:creationId xmlns:a16="http://schemas.microsoft.com/office/drawing/2014/main" id="{FECC2A5A-DBE5-763F-2079-7F379468F628}"/>
               </a:ext>
             </a:extLst>
           </p:cNvPr>
@@ -1450,7 +1450,7 @@
           <a:bodyPr/>
           <a:lstStyle/>
           <a:p>
-            <a:fld id="{5A0FA10B-1743-4319-BE61-97C58D95C026}" type="slidenum">
+            <a:fld id="{990DE5A4-4C2F-410A-9BF1-14B48072EE41}" type="slidenum">
               <a:rPr lang="zh-CN" altLang="en-US" smtClean="0"/>
               <a:t>‹#›</a:t>
             </a:fld>
@@ -1461,7 +1461,7 @@
     </p:spTree>
     <p:extLst>
       <p:ext uri="{BB962C8B-B14F-4D97-AF65-F5344CB8AC3E}">
-        <p14:creationId xmlns:p14="http://schemas.microsoft.com/office/powerpoint/2010/main" val="2657087672"/>
+        <p14:creationId xmlns:p14="http://schemas.microsoft.com/office/powerpoint/2010/main" val="184754726"/>
       </p:ext>
     </p:extLst>
   </p:cSld>
@@ -1493,7 +1493,7 @@
           <p:cNvPr id="2" name="标题 1">
             <a:extLst>
               <a:ext uri="{FF2B5EF4-FFF2-40B4-BE49-F238E27FC236}">
-                <a16:creationId xmlns:a16="http://schemas.microsoft.com/office/drawing/2014/main" id="{EC30A78F-6A5B-9410-74F2-D461FB367CE1}"/>
+                <a16:creationId xmlns:a16="http://schemas.microsoft.com/office/drawing/2014/main" id="{689B55A7-A27E-7D9E-3338-EA20A3B22EA7}"/>
               </a:ext>
             </a:extLst>
           </p:cNvPr>
@@ -1526,7 +1526,7 @@
           <p:cNvPr id="3" name="文本占位符 2">
             <a:extLst>
               <a:ext uri="{FF2B5EF4-FFF2-40B4-BE49-F238E27FC236}">
-                <a16:creationId xmlns:a16="http://schemas.microsoft.com/office/drawing/2014/main" id="{B18A28A0-8186-CACB-E743-E75DF68012ED}"/>
+                <a16:creationId xmlns:a16="http://schemas.microsoft.com/office/drawing/2014/main" id="{6023FC01-EC43-8B67-EA36-E64D6754C438}"/>
               </a:ext>
             </a:extLst>
           </p:cNvPr>
@@ -1597,7 +1597,7 @@
           <p:cNvPr id="4" name="内容占位符 3">
             <a:extLst>
               <a:ext uri="{FF2B5EF4-FFF2-40B4-BE49-F238E27FC236}">
-                <a16:creationId xmlns:a16="http://schemas.microsoft.com/office/drawing/2014/main" id="{9D159F81-02D6-EA46-4BCF-21DDE883516E}"/>
+                <a16:creationId xmlns:a16="http://schemas.microsoft.com/office/drawing/2014/main" id="{B48C3D62-C839-1CE3-E582-FFACF6AFD3EF}"/>
               </a:ext>
             </a:extLst>
           </p:cNvPr>
@@ -1659,7 +1659,7 @@
           <p:cNvPr id="5" name="文本占位符 4">
             <a:extLst>
               <a:ext uri="{FF2B5EF4-FFF2-40B4-BE49-F238E27FC236}">
-                <a16:creationId xmlns:a16="http://schemas.microsoft.com/office/drawing/2014/main" id="{1E823AFB-FAAA-2930-D177-186A5A29FB3E}"/>
+                <a16:creationId xmlns:a16="http://schemas.microsoft.com/office/drawing/2014/main" id="{8FA7F3A1-9ADD-E4D2-8054-95A9B2826CE5}"/>
               </a:ext>
             </a:extLst>
           </p:cNvPr>
@@ -1730,7 +1730,7 @@
           <p:cNvPr id="6" name="内容占位符 5">
             <a:extLst>
               <a:ext uri="{FF2B5EF4-FFF2-40B4-BE49-F238E27FC236}">
-                <a16:creationId xmlns:a16="http://schemas.microsoft.com/office/drawing/2014/main" id="{07689D36-2DEF-EB6C-E7AC-9183828AE47E}"/>
+                <a16:creationId xmlns:a16="http://schemas.microsoft.com/office/drawing/2014/main" id="{ABEE25A7-FECE-042C-771B-B2F83E227656}"/>
               </a:ext>
             </a:extLst>
           </p:cNvPr>
@@ -1792,7 +1792,7 @@
           <p:cNvPr id="7" name="日期占位符 6">
             <a:extLst>
               <a:ext uri="{FF2B5EF4-FFF2-40B4-BE49-F238E27FC236}">
-                <a16:creationId xmlns:a16="http://schemas.microsoft.com/office/drawing/2014/main" id="{63ECDECA-EEB2-0AC2-95B3-F716C221D22D}"/>
+                <a16:creationId xmlns:a16="http://schemas.microsoft.com/office/drawing/2014/main" id="{FB33030E-0721-A8A5-0F19-935B7ABD5ADF}"/>
               </a:ext>
             </a:extLst>
           </p:cNvPr>
@@ -1808,7 +1808,7 @@
           <a:bodyPr/>
           <a:lstStyle/>
           <a:p>
-            <a:fld id="{932B3729-63E0-4A30-8B52-89E1D333DBE0}" type="datetimeFigureOut">
+            <a:fld id="{85ABCB3A-7039-444C-A3D7-2B91ED177454}" type="datetimeFigureOut">
               <a:rPr lang="zh-CN" altLang="en-US" smtClean="0"/>
               <a:t>2024/3/10</a:t>
             </a:fld>
@@ -1821,7 +1821,7 @@
           <p:cNvPr id="8" name="页脚占位符 7">
             <a:extLst>
               <a:ext uri="{FF2B5EF4-FFF2-40B4-BE49-F238E27FC236}">
-                <a16:creationId xmlns:a16="http://schemas.microsoft.com/office/drawing/2014/main" id="{A2BDFBA5-09F9-93C2-71F2-BD240CAAAE4B}"/>
+                <a16:creationId xmlns:a16="http://schemas.microsoft.com/office/drawing/2014/main" id="{965F33B8-FC2A-4874-2A1F-9137373B0BA7}"/>
               </a:ext>
             </a:extLst>
           </p:cNvPr>
@@ -1846,7 +1846,7 @@
           <p:cNvPr id="9" name="灯片编号占位符 8">
             <a:extLst>
               <a:ext uri="{FF2B5EF4-FFF2-40B4-BE49-F238E27FC236}">
-                <a16:creationId xmlns:a16="http://schemas.microsoft.com/office/drawing/2014/main" id="{0D354E2C-022D-8C22-21B5-932D3DF4E789}"/>
+                <a16:creationId xmlns:a16="http://schemas.microsoft.com/office/drawing/2014/main" id="{527D6026-2A5A-A7D6-67C2-19529659D9D9}"/>
               </a:ext>
             </a:extLst>
           </p:cNvPr>
@@ -1862,7 +1862,7 @@
           <a:bodyPr/>
           <a:lstStyle/>
           <a:p>
-            <a:fld id="{5A0FA10B-1743-4319-BE61-97C58D95C026}" type="slidenum">
+            <a:fld id="{990DE5A4-4C2F-410A-9BF1-14B48072EE41}" type="slidenum">
               <a:rPr lang="zh-CN" altLang="en-US" smtClean="0"/>
               <a:t>‹#›</a:t>
             </a:fld>
@@ -1873,7 +1873,7 @@
     </p:spTree>
     <p:extLst>
       <p:ext uri="{BB962C8B-B14F-4D97-AF65-F5344CB8AC3E}">
-        <p14:creationId xmlns:p14="http://schemas.microsoft.com/office/powerpoint/2010/main" val="3776348782"/>
+        <p14:creationId xmlns:p14="http://schemas.microsoft.com/office/powerpoint/2010/main" val="719915981"/>
       </p:ext>
     </p:extLst>
   </p:cSld>
@@ -1905,7 +1905,7 @@
           <p:cNvPr id="2" name="标题 1">
             <a:extLst>
               <a:ext uri="{FF2B5EF4-FFF2-40B4-BE49-F238E27FC236}">
-                <a16:creationId xmlns:a16="http://schemas.microsoft.com/office/drawing/2014/main" id="{B8A09DAA-4EE7-C15E-1918-8473FAFAB607}"/>
+                <a16:creationId xmlns:a16="http://schemas.microsoft.com/office/drawing/2014/main" id="{B37F1094-1A41-21A6-C591-805F14061355}"/>
               </a:ext>
             </a:extLst>
           </p:cNvPr>
@@ -1933,7 +1933,7 @@
           <p:cNvPr id="3" name="日期占位符 2">
             <a:extLst>
               <a:ext uri="{FF2B5EF4-FFF2-40B4-BE49-F238E27FC236}">
-                <a16:creationId xmlns:a16="http://schemas.microsoft.com/office/drawing/2014/main" id="{2F811345-E7E6-9D8D-E9F7-528EF37422D3}"/>
+                <a16:creationId xmlns:a16="http://schemas.microsoft.com/office/drawing/2014/main" id="{8D84E6C8-9E7B-42D1-5EEE-83A863866F47}"/>
               </a:ext>
             </a:extLst>
           </p:cNvPr>
@@ -1949,7 +1949,7 @@
           <a:bodyPr/>
           <a:lstStyle/>
           <a:p>
-            <a:fld id="{932B3729-63E0-4A30-8B52-89E1D333DBE0}" type="datetimeFigureOut">
+            <a:fld id="{85ABCB3A-7039-444C-A3D7-2B91ED177454}" type="datetimeFigureOut">
               <a:rPr lang="zh-CN" altLang="en-US" smtClean="0"/>
               <a:t>2024/3/10</a:t>
             </a:fld>
@@ -1962,7 +1962,7 @@
           <p:cNvPr id="4" name="页脚占位符 3">
             <a:extLst>
               <a:ext uri="{FF2B5EF4-FFF2-40B4-BE49-F238E27FC236}">
-                <a16:creationId xmlns:a16="http://schemas.microsoft.com/office/drawing/2014/main" id="{B2F32C18-D10F-4CC6-8DE4-128187C1ABC3}"/>
+                <a16:creationId xmlns:a16="http://schemas.microsoft.com/office/drawing/2014/main" id="{865CDC9E-1888-CE48-7B94-3841565C8C03}"/>
               </a:ext>
             </a:extLst>
           </p:cNvPr>
@@ -1987,7 +1987,7 @@
           <p:cNvPr id="5" name="灯片编号占位符 4">
             <a:extLst>
               <a:ext uri="{FF2B5EF4-FFF2-40B4-BE49-F238E27FC236}">
-                <a16:creationId xmlns:a16="http://schemas.microsoft.com/office/drawing/2014/main" id="{E306F876-AB7C-54FA-C028-5FAE9C7F3D23}"/>
+                <a16:creationId xmlns:a16="http://schemas.microsoft.com/office/drawing/2014/main" id="{12C00AC7-11DD-CBCF-BA33-A5E1550BBEDA}"/>
               </a:ext>
             </a:extLst>
           </p:cNvPr>
@@ -2003,7 +2003,7 @@
           <a:bodyPr/>
           <a:lstStyle/>
           <a:p>
-            <a:fld id="{5A0FA10B-1743-4319-BE61-97C58D95C026}" type="slidenum">
+            <a:fld id="{990DE5A4-4C2F-410A-9BF1-14B48072EE41}" type="slidenum">
               <a:rPr lang="zh-CN" altLang="en-US" smtClean="0"/>
               <a:t>‹#›</a:t>
             </a:fld>
@@ -2014,7 +2014,7 @@
     </p:spTree>
     <p:extLst>
       <p:ext uri="{BB962C8B-B14F-4D97-AF65-F5344CB8AC3E}">
-        <p14:creationId xmlns:p14="http://schemas.microsoft.com/office/powerpoint/2010/main" val="3863134804"/>
+        <p14:creationId xmlns:p14="http://schemas.microsoft.com/office/powerpoint/2010/main" val="1732991819"/>
       </p:ext>
     </p:extLst>
   </p:cSld>
@@ -2046,7 +2046,7 @@
           <p:cNvPr id="2" name="日期占位符 1">
             <a:extLst>
               <a:ext uri="{FF2B5EF4-FFF2-40B4-BE49-F238E27FC236}">
-                <a16:creationId xmlns:a16="http://schemas.microsoft.com/office/drawing/2014/main" id="{6D8DAA34-3DD0-EC94-CD72-1F78C5D9FC5A}"/>
+                <a16:creationId xmlns:a16="http://schemas.microsoft.com/office/drawing/2014/main" id="{650DEE85-1CF6-7237-9F47-575DA0724253}"/>
               </a:ext>
             </a:extLst>
           </p:cNvPr>
@@ -2062,7 +2062,7 @@
           <a:bodyPr/>
           <a:lstStyle/>
           <a:p>
-            <a:fld id="{932B3729-63E0-4A30-8B52-89E1D333DBE0}" type="datetimeFigureOut">
+            <a:fld id="{85ABCB3A-7039-444C-A3D7-2B91ED177454}" type="datetimeFigureOut">
               <a:rPr lang="zh-CN" altLang="en-US" smtClean="0"/>
               <a:t>2024/3/10</a:t>
             </a:fld>
@@ -2075,7 +2075,7 @@
           <p:cNvPr id="3" name="页脚占位符 2">
             <a:extLst>
               <a:ext uri="{FF2B5EF4-FFF2-40B4-BE49-F238E27FC236}">
-                <a16:creationId xmlns:a16="http://schemas.microsoft.com/office/drawing/2014/main" id="{9A0323BB-A618-5063-3225-95FFE4998558}"/>
+                <a16:creationId xmlns:a16="http://schemas.microsoft.com/office/drawing/2014/main" id="{50CB94E9-32FB-33BB-33B5-9DDC569F835E}"/>
               </a:ext>
             </a:extLst>
           </p:cNvPr>
@@ -2100,7 +2100,7 @@
           <p:cNvPr id="4" name="灯片编号占位符 3">
             <a:extLst>
               <a:ext uri="{FF2B5EF4-FFF2-40B4-BE49-F238E27FC236}">
-                <a16:creationId xmlns:a16="http://schemas.microsoft.com/office/drawing/2014/main" id="{AFBE08E6-8262-34FD-5156-5B5C32C2CA98}"/>
+                <a16:creationId xmlns:a16="http://schemas.microsoft.com/office/drawing/2014/main" id="{061089E0-13D2-66D4-0B22-CC4B7B65CC39}"/>
               </a:ext>
             </a:extLst>
           </p:cNvPr>
@@ -2116,7 +2116,7 @@
           <a:bodyPr/>
           <a:lstStyle/>
           <a:p>
-            <a:fld id="{5A0FA10B-1743-4319-BE61-97C58D95C026}" type="slidenum">
+            <a:fld id="{990DE5A4-4C2F-410A-9BF1-14B48072EE41}" type="slidenum">
               <a:rPr lang="zh-CN" altLang="en-US" smtClean="0"/>
               <a:t>‹#›</a:t>
             </a:fld>
@@ -2127,7 +2127,7 @@
     </p:spTree>
     <p:extLst>
       <p:ext uri="{BB962C8B-B14F-4D97-AF65-F5344CB8AC3E}">
-        <p14:creationId xmlns:p14="http://schemas.microsoft.com/office/powerpoint/2010/main" val="2205377919"/>
+        <p14:creationId xmlns:p14="http://schemas.microsoft.com/office/powerpoint/2010/main" val="1408431512"/>
       </p:ext>
     </p:extLst>
   </p:cSld>
@@ -2159,7 +2159,7 @@
           <p:cNvPr id="2" name="标题 1">
             <a:extLst>
               <a:ext uri="{FF2B5EF4-FFF2-40B4-BE49-F238E27FC236}">
-                <a16:creationId xmlns:a16="http://schemas.microsoft.com/office/drawing/2014/main" id="{8EB7669E-A244-8FC9-BB0E-76DA44A62CCB}"/>
+                <a16:creationId xmlns:a16="http://schemas.microsoft.com/office/drawing/2014/main" id="{1AEE73DF-0E06-C63E-8582-3C187B73A9F2}"/>
               </a:ext>
             </a:extLst>
           </p:cNvPr>
@@ -2196,7 +2196,7 @@
           <p:cNvPr id="3" name="内容占位符 2">
             <a:extLst>
               <a:ext uri="{FF2B5EF4-FFF2-40B4-BE49-F238E27FC236}">
-                <a16:creationId xmlns:a16="http://schemas.microsoft.com/office/drawing/2014/main" id="{75165E74-C761-B9C6-A4B7-98A9BB4DECB9}"/>
+                <a16:creationId xmlns:a16="http://schemas.microsoft.com/office/drawing/2014/main" id="{E2E5AE65-4E39-6569-D7D7-21282EB45544}"/>
               </a:ext>
             </a:extLst>
           </p:cNvPr>
@@ -2286,7 +2286,7 @@
           <p:cNvPr id="4" name="文本占位符 3">
             <a:extLst>
               <a:ext uri="{FF2B5EF4-FFF2-40B4-BE49-F238E27FC236}">
-                <a16:creationId xmlns:a16="http://schemas.microsoft.com/office/drawing/2014/main" id="{4D0BBCE8-9450-D327-A7CF-51B30E67C0CE}"/>
+                <a16:creationId xmlns:a16="http://schemas.microsoft.com/office/drawing/2014/main" id="{7138A173-7E3E-4382-810F-525FAD4FFFD2}"/>
               </a:ext>
             </a:extLst>
           </p:cNvPr>
@@ -2357,7 +2357,7 @@
           <p:cNvPr id="5" name="日期占位符 4">
             <a:extLst>
               <a:ext uri="{FF2B5EF4-FFF2-40B4-BE49-F238E27FC236}">
-                <a16:creationId xmlns:a16="http://schemas.microsoft.com/office/drawing/2014/main" id="{4454C31B-024D-A6B9-89F2-C4B202434BDF}"/>
+                <a16:creationId xmlns:a16="http://schemas.microsoft.com/office/drawing/2014/main" id="{B10129A2-B37A-9975-25F9-CC3BEFB99827}"/>
               </a:ext>
             </a:extLst>
           </p:cNvPr>
@@ -2373,7 +2373,7 @@
           <a:bodyPr/>
           <a:lstStyle/>
           <a:p>
-            <a:fld id="{932B3729-63E0-4A30-8B52-89E1D333DBE0}" type="datetimeFigureOut">
+            <a:fld id="{85ABCB3A-7039-444C-A3D7-2B91ED177454}" type="datetimeFigureOut">
               <a:rPr lang="zh-CN" altLang="en-US" smtClean="0"/>
               <a:t>2024/3/10</a:t>
             </a:fld>
@@ -2386,7 +2386,7 @@
           <p:cNvPr id="6" name="页脚占位符 5">
             <a:extLst>
               <a:ext uri="{FF2B5EF4-FFF2-40B4-BE49-F238E27FC236}">
-                <a16:creationId xmlns:a16="http://schemas.microsoft.com/office/drawing/2014/main" id="{191E6951-1585-9DC0-A0B8-C1F673DC6FA8}"/>
+                <a16:creationId xmlns:a16="http://schemas.microsoft.com/office/drawing/2014/main" id="{DF7BECDE-FB3B-36EA-9C47-151EBC1578C3}"/>
               </a:ext>
             </a:extLst>
           </p:cNvPr>
@@ -2411,7 +2411,7 @@
           <p:cNvPr id="7" name="灯片编号占位符 6">
             <a:extLst>
               <a:ext uri="{FF2B5EF4-FFF2-40B4-BE49-F238E27FC236}">
-                <a16:creationId xmlns:a16="http://schemas.microsoft.com/office/drawing/2014/main" id="{609FB27B-9943-72A3-7527-CEF448F91F9A}"/>
+                <a16:creationId xmlns:a16="http://schemas.microsoft.com/office/drawing/2014/main" id="{5738A6C2-98A2-C73D-60A2-1DE8088B0C5C}"/>
               </a:ext>
             </a:extLst>
           </p:cNvPr>
@@ -2427,7 +2427,7 @@
           <a:bodyPr/>
           <a:lstStyle/>
           <a:p>
-            <a:fld id="{5A0FA10B-1743-4319-BE61-97C58D95C026}" type="slidenum">
+            <a:fld id="{990DE5A4-4C2F-410A-9BF1-14B48072EE41}" type="slidenum">
               <a:rPr lang="zh-CN" altLang="en-US" smtClean="0"/>
               <a:t>‹#›</a:t>
             </a:fld>
@@ -2438,7 +2438,7 @@
     </p:spTree>
     <p:extLst>
       <p:ext uri="{BB962C8B-B14F-4D97-AF65-F5344CB8AC3E}">
-        <p14:creationId xmlns:p14="http://schemas.microsoft.com/office/powerpoint/2010/main" val="747817946"/>
+        <p14:creationId xmlns:p14="http://schemas.microsoft.com/office/powerpoint/2010/main" val="3925983221"/>
       </p:ext>
     </p:extLst>
   </p:cSld>
@@ -2470,7 +2470,7 @@
           <p:cNvPr id="2" name="标题 1">
             <a:extLst>
               <a:ext uri="{FF2B5EF4-FFF2-40B4-BE49-F238E27FC236}">
-                <a16:creationId xmlns:a16="http://schemas.microsoft.com/office/drawing/2014/main" id="{917BB6C7-5B65-4B95-4810-DAB43BD4D502}"/>
+                <a16:creationId xmlns:a16="http://schemas.microsoft.com/office/drawing/2014/main" id="{F6D467AD-6616-DB70-816F-F83AD1C2829C}"/>
               </a:ext>
             </a:extLst>
           </p:cNvPr>
@@ -2507,7 +2507,7 @@
           <p:cNvPr id="3" name="图片占位符 2">
             <a:extLst>
               <a:ext uri="{FF2B5EF4-FFF2-40B4-BE49-F238E27FC236}">
-                <a16:creationId xmlns:a16="http://schemas.microsoft.com/office/drawing/2014/main" id="{44FEBE0C-12F1-DE40-0749-E49818E30D1B}"/>
+                <a16:creationId xmlns:a16="http://schemas.microsoft.com/office/drawing/2014/main" id="{AA225DF5-6345-1A97-D8CC-31BEF0EEDECD}"/>
               </a:ext>
             </a:extLst>
           </p:cNvPr>
@@ -2574,7 +2574,7 @@
           <p:cNvPr id="4" name="文本占位符 3">
             <a:extLst>
               <a:ext uri="{FF2B5EF4-FFF2-40B4-BE49-F238E27FC236}">
-                <a16:creationId xmlns:a16="http://schemas.microsoft.com/office/drawing/2014/main" id="{BD5B9E89-06F9-FB07-4569-20B2575DC3BE}"/>
+                <a16:creationId xmlns:a16="http://schemas.microsoft.com/office/drawing/2014/main" id="{BBD1ECC3-79D7-AC38-45A9-29415CC266E6}"/>
               </a:ext>
             </a:extLst>
           </p:cNvPr>
@@ -2645,7 +2645,7 @@
           <p:cNvPr id="5" name="日期占位符 4">
             <a:extLst>
               <a:ext uri="{FF2B5EF4-FFF2-40B4-BE49-F238E27FC236}">
-                <a16:creationId xmlns:a16="http://schemas.microsoft.com/office/drawing/2014/main" id="{141AF5AC-4986-87BB-E406-C585B1F251B6}"/>
+                <a16:creationId xmlns:a16="http://schemas.microsoft.com/office/drawing/2014/main" id="{CBAA14BC-7D15-8785-D4E6-729102270E49}"/>
               </a:ext>
             </a:extLst>
           </p:cNvPr>
@@ -2661,7 +2661,7 @@
           <a:bodyPr/>
           <a:lstStyle/>
           <a:p>
-            <a:fld id="{932B3729-63E0-4A30-8B52-89E1D333DBE0}" type="datetimeFigureOut">
+            <a:fld id="{85ABCB3A-7039-444C-A3D7-2B91ED177454}" type="datetimeFigureOut">
               <a:rPr lang="zh-CN" altLang="en-US" smtClean="0"/>
               <a:t>2024/3/10</a:t>
             </a:fld>
@@ -2674,7 +2674,7 @@
           <p:cNvPr id="6" name="页脚占位符 5">
             <a:extLst>
               <a:ext uri="{FF2B5EF4-FFF2-40B4-BE49-F238E27FC236}">
-                <a16:creationId xmlns:a16="http://schemas.microsoft.com/office/drawing/2014/main" id="{8D226BEC-FAF9-6F52-571C-88AF21D97DEB}"/>
+                <a16:creationId xmlns:a16="http://schemas.microsoft.com/office/drawing/2014/main" id="{65C1685A-A707-9BED-84B6-48CB5A330803}"/>
               </a:ext>
             </a:extLst>
           </p:cNvPr>
@@ -2699,7 +2699,7 @@
           <p:cNvPr id="7" name="灯片编号占位符 6">
             <a:extLst>
               <a:ext uri="{FF2B5EF4-FFF2-40B4-BE49-F238E27FC236}">
-                <a16:creationId xmlns:a16="http://schemas.microsoft.com/office/drawing/2014/main" id="{BF16409F-6E4F-F32F-0FD0-02B5DADB8CB4}"/>
+                <a16:creationId xmlns:a16="http://schemas.microsoft.com/office/drawing/2014/main" id="{D073AC6E-D663-FFF0-C08F-6A2D933F61A8}"/>
               </a:ext>
             </a:extLst>
           </p:cNvPr>
@@ -2715,7 +2715,7 @@
           <a:bodyPr/>
           <a:lstStyle/>
           <a:p>
-            <a:fld id="{5A0FA10B-1743-4319-BE61-97C58D95C026}" type="slidenum">
+            <a:fld id="{990DE5A4-4C2F-410A-9BF1-14B48072EE41}" type="slidenum">
               <a:rPr lang="zh-CN" altLang="en-US" smtClean="0"/>
               <a:t>‹#›</a:t>
             </a:fld>
@@ -2726,7 +2726,7 @@
     </p:spTree>
     <p:extLst>
       <p:ext uri="{BB962C8B-B14F-4D97-AF65-F5344CB8AC3E}">
-        <p14:creationId xmlns:p14="http://schemas.microsoft.com/office/powerpoint/2010/main" val="3344314216"/>
+        <p14:creationId xmlns:p14="http://schemas.microsoft.com/office/powerpoint/2010/main" val="2854413158"/>
       </p:ext>
     </p:extLst>
   </p:cSld>
@@ -2763,7 +2763,7 @@
           <p:cNvPr id="2" name="标题占位符 1">
             <a:extLst>
               <a:ext uri="{FF2B5EF4-FFF2-40B4-BE49-F238E27FC236}">
-                <a16:creationId xmlns:a16="http://schemas.microsoft.com/office/drawing/2014/main" id="{BDE6E10F-5625-614D-46FB-C0B34F04C077}"/>
+                <a16:creationId xmlns:a16="http://schemas.microsoft.com/office/drawing/2014/main" id="{DF5714F9-AEA2-E403-A889-22149CE02B0A}"/>
               </a:ext>
             </a:extLst>
           </p:cNvPr>
@@ -2801,7 +2801,7 @@
           <p:cNvPr id="3" name="文本占位符 2">
             <a:extLst>
               <a:ext uri="{FF2B5EF4-FFF2-40B4-BE49-F238E27FC236}">
-                <a16:creationId xmlns:a16="http://schemas.microsoft.com/office/drawing/2014/main" id="{E99EFEF7-1A0F-C493-217A-FD26F970D9D0}"/>
+                <a16:creationId xmlns:a16="http://schemas.microsoft.com/office/drawing/2014/main" id="{B96D5A62-4776-A16E-2F7A-0B1120F93979}"/>
               </a:ext>
             </a:extLst>
           </p:cNvPr>
@@ -2868,7 +2868,7 @@
           <p:cNvPr id="4" name="日期占位符 3">
             <a:extLst>
               <a:ext uri="{FF2B5EF4-FFF2-40B4-BE49-F238E27FC236}">
-                <a16:creationId xmlns:a16="http://schemas.microsoft.com/office/drawing/2014/main" id="{11146540-4A57-0A68-FC13-8487BE4A4E77}"/>
+                <a16:creationId xmlns:a16="http://schemas.microsoft.com/office/drawing/2014/main" id="{7E9E429D-A1D1-2C8C-043D-F95167AB1CA2}"/>
               </a:ext>
             </a:extLst>
           </p:cNvPr>
@@ -2902,7 +2902,7 @@
             </a:lvl1pPr>
           </a:lstStyle>
           <a:p>
-            <a:fld id="{932B3729-63E0-4A30-8B52-89E1D333DBE0}" type="datetimeFigureOut">
+            <a:fld id="{85ABCB3A-7039-444C-A3D7-2B91ED177454}" type="datetimeFigureOut">
               <a:rPr lang="zh-CN" altLang="en-US" smtClean="0"/>
               <a:t>2024/3/10</a:t>
             </a:fld>
@@ -2915,7 +2915,7 @@
           <p:cNvPr id="5" name="页脚占位符 4">
             <a:extLst>
               <a:ext uri="{FF2B5EF4-FFF2-40B4-BE49-F238E27FC236}">
-                <a16:creationId xmlns:a16="http://schemas.microsoft.com/office/drawing/2014/main" id="{FB4F28C0-A9DD-4BDA-6175-729FFC42C8A8}"/>
+                <a16:creationId xmlns:a16="http://schemas.microsoft.com/office/drawing/2014/main" id="{88D72279-367F-8725-9540-89174EE552F2}"/>
               </a:ext>
             </a:extLst>
           </p:cNvPr>
@@ -2958,7 +2958,7 @@
           <p:cNvPr id="6" name="灯片编号占位符 5">
             <a:extLst>
               <a:ext uri="{FF2B5EF4-FFF2-40B4-BE49-F238E27FC236}">
-                <a16:creationId xmlns:a16="http://schemas.microsoft.com/office/drawing/2014/main" id="{8FB53BF4-57FF-4E93-469A-F9848418A4F5}"/>
+                <a16:creationId xmlns:a16="http://schemas.microsoft.com/office/drawing/2014/main" id="{522CBD7B-EC0B-9B50-6085-1AD15973804F}"/>
               </a:ext>
             </a:extLst>
           </p:cNvPr>
@@ -2992,7 +2992,7 @@
             </a:lvl1pPr>
           </a:lstStyle>
           <a:p>
-            <a:fld id="{5A0FA10B-1743-4319-BE61-97C58D95C026}" type="slidenum">
+            <a:fld id="{990DE5A4-4C2F-410A-9BF1-14B48072EE41}" type="slidenum">
               <a:rPr lang="zh-CN" altLang="en-US" smtClean="0"/>
               <a:t>‹#›</a:t>
             </a:fld>
@@ -3003,7 +3003,7 @@
     </p:spTree>
     <p:extLst>
       <p:ext uri="{BB962C8B-B14F-4D97-AF65-F5344CB8AC3E}">
-        <p14:creationId xmlns:p14="http://schemas.microsoft.com/office/powerpoint/2010/main" val="884613876"/>
+        <p14:creationId xmlns:p14="http://schemas.microsoft.com/office/powerpoint/2010/main" val="3571853649"/>
       </p:ext>
     </p:extLst>
   </p:cSld>
@@ -3323,7 +3323,7 @@
       </p:grpSpPr>
       <p:pic>
         <p:nvPicPr>
-          <p:cNvPr id="536578" name="Picture 2" descr="523"/>
+          <p:cNvPr id="537602" name="Picture 2" descr="524"/>
           <p:cNvPicPr>
             <a:picLocks noChangeAspect="1" noChangeArrowheads="1"/>
           </p:cNvPicPr>
@@ -3375,11 +3375,158 @@
           </a:extLst>
         </p:spPr>
       </p:pic>
+      <p:pic>
+        <p:nvPicPr>
+          <p:cNvPr id="538627" name="Picture 3" descr="524-2"/>
+          <p:cNvPicPr>
+            <a:picLocks noChangeAspect="1" noChangeArrowheads="1"/>
+          </p:cNvPicPr>
+          <p:nvPr/>
+        </p:nvPicPr>
+        <p:blipFill>
+          <a:blip r:embed="rId3">
+            <a:extLst>
+              <a:ext uri="{28A0092B-C50C-407E-A947-70E740481C1C}">
+                <a14:useLocalDpi xmlns:a14="http://schemas.microsoft.com/office/drawing/2010/main" val="0"/>
+              </a:ext>
+            </a:extLst>
+          </a:blip>
+          <a:srcRect/>
+          <a:stretch>
+            <a:fillRect/>
+          </a:stretch>
+        </p:blipFill>
+        <p:spPr bwMode="auto">
+          <a:xfrm>
+            <a:off x="1524000" y="0"/>
+            <a:ext cx="9144000" cy="6858000"/>
+          </a:xfrm>
+          <a:prstGeom prst="rect">
+            <a:avLst/>
+          </a:prstGeom>
+          <a:noFill/>
+          <a:ln>
+            <a:noFill/>
+          </a:ln>
+          <a:effectLst/>
+          <a:extLst>
+            <a:ext uri="{909E8E84-426E-40DD-AFC4-6F175D3DCCD1}">
+              <a14:hiddenFill xmlns:a14="http://schemas.microsoft.com/office/drawing/2010/main">
+                <a:solidFill>
+                  <a:srgbClr val="FFFFFF"/>
+                </a:solidFill>
+              </a14:hiddenFill>
+            </a:ext>
+            <a:ext uri="{91240B29-F687-4F45-9708-019B960494DF}">
+              <a14:hiddenLine xmlns:a14="http://schemas.microsoft.com/office/drawing/2010/main" w="9525">
+                <a:solidFill>
+                  <a:srgbClr val="000000"/>
+                </a:solidFill>
+                <a:miter lim="800000"/>
+                <a:headEnd/>
+                <a:tailEnd/>
+              </a14:hiddenLine>
+            </a:ext>
+            <a:ext uri="{AF507438-7753-43E0-B8FC-AC1667EBCBE1}">
+              <a14:hiddenEffects xmlns:a14="http://schemas.microsoft.com/office/drawing/2010/main">
+                <a:effectLst>
+                  <a:outerShdw dist="35921" dir="2700000" algn="ctr" rotWithShape="0">
+                    <a:srgbClr val="808080"/>
+                  </a:outerShdw>
+                </a:effectLst>
+              </a14:hiddenEffects>
+            </a:ext>
+          </a:extLst>
+        </p:spPr>
+      </p:pic>
     </p:spTree>
   </p:cSld>
   <p:clrMapOvr>
     <a:masterClrMapping/>
   </p:clrMapOvr>
+  <p:timing>
+    <p:tnLst>
+      <p:par>
+        <p:cTn id="1" dur="indefinite" restart="never" nodeType="tmRoot">
+          <p:childTnLst>
+            <p:seq concurrent="1" nextAc="seek">
+              <p:cTn id="2" dur="indefinite" nodeType="mainSeq">
+                <p:childTnLst>
+                  <p:par>
+                    <p:cTn id="3" fill="hold" nodeType="clickPar">
+                      <p:stCondLst>
+                        <p:cond delay="indefinite"/>
+                      </p:stCondLst>
+                      <p:childTnLst>
+                        <p:par>
+                          <p:cTn id="4" fill="hold" nodeType="withGroup">
+                            <p:stCondLst>
+                              <p:cond delay="0"/>
+                            </p:stCondLst>
+                            <p:childTnLst>
+                              <p:par>
+                                <p:cTn id="5" presetID="10" presetClass="entr" presetSubtype="0" fill="hold" nodeType="clickEffect">
+                                  <p:stCondLst>
+                                    <p:cond delay="0"/>
+                                  </p:stCondLst>
+                                  <p:childTnLst>
+                                    <p:set>
+                                      <p:cBhvr>
+                                        <p:cTn id="6" dur="1" fill="hold">
+                                          <p:stCondLst>
+                                            <p:cond delay="0"/>
+                                          </p:stCondLst>
+                                        </p:cTn>
+                                        <p:tgtEl>
+                                          <p:spTgt spid="538627"/>
+                                        </p:tgtEl>
+                                        <p:attrNameLst>
+                                          <p:attrName>style.visibility</p:attrName>
+                                        </p:attrNameLst>
+                                      </p:cBhvr>
+                                      <p:to>
+                                        <p:strVal val="visible"/>
+                                      </p:to>
+                                    </p:set>
+                                    <p:animEffect transition="in" filter="fade">
+                                      <p:cBhvr>
+                                        <p:cTn id="7" dur="500"/>
+                                        <p:tgtEl>
+                                          <p:spTgt spid="538627"/>
+                                        </p:tgtEl>
+                                      </p:cBhvr>
+                                    </p:animEffect>
+                                  </p:childTnLst>
+                                </p:cTn>
+                              </p:par>
+                            </p:childTnLst>
+                          </p:cTn>
+                        </p:par>
+                      </p:childTnLst>
+                    </p:cTn>
+                  </p:par>
+                </p:childTnLst>
+              </p:cTn>
+              <p:prevCondLst>
+                <p:cond evt="onPrev" delay="0">
+                  <p:tgtEl>
+                    <p:sldTgt/>
+                  </p:tgtEl>
+                </p:cond>
+              </p:prevCondLst>
+              <p:nextCondLst>
+                <p:cond evt="onNext" delay="0">
+                  <p:tgtEl>
+                    <p:sldTgt/>
+                  </p:tgtEl>
+                </p:cond>
+              </p:nextCondLst>
+            </p:seq>
+          </p:childTnLst>
+        </p:cTn>
+      </p:par>
+    </p:tnLst>
+  </p:timing>
 </p:sld>
 </file>
 
